--- a/07 - Media Queries/00 - Presentation/07.Media-Queries.pptx
+++ b/07 - Media Queries/00 - Presentation/07.Media-Queries.pptx
@@ -323,7 +323,7 @@
           <a:p>
             <a:fld id="{4E087215-0C8F-4762-A664-737A353EC9A4}" type="datetimeFigureOut">
               <a:rPr lang="bg-BG" smtClean="0"/>
-              <a:t>9.9.2021 г.</a:t>
+              <a:t>19.10.2021 г.</a:t>
             </a:fld>
             <a:endParaRPr lang="bg-BG"/>
           </a:p>
@@ -514,7 +514,7 @@
           <a:p>
             <a:fld id="{72D84649-876A-46C9-8472-14CB09C070D8}" type="datetimeFigureOut">
               <a:rPr lang="en-US" smtClean="0"/>
-              <a:t>9/9/2021</a:t>
+              <a:t>19-Oct-21</a:t>
             </a:fld>
             <a:endParaRPr lang="en-US"/>
           </a:p>
@@ -12348,7 +12348,7 @@
           <a:p>
             <a:r>
               <a:rPr lang="en-US" dirty="0"/>
-              <a:t>Media Queries are a feature of CSS that enable webpage content to </a:t>
+              <a:t>Media Queries are a feature of CSS that enables webpage content to </a:t>
             </a:r>
             <a:r>
               <a:rPr lang="en-US" b="1" dirty="0">
@@ -24828,7 +24828,7 @@
                   <a:schemeClr val="bg1"/>
                 </a:solidFill>
               </a:rPr>
-              <a:t>judges</a:t>
+              <a:t>judge</a:t>
             </a:r>
             <a:r>
               <a:rPr lang="en-US" dirty="0">
